--- a/파워포인터/발표용 중간.pptx
+++ b/파워포인터/발표용 중간.pptx
@@ -1,8 +1,8 @@
 
 <file path=ppt/presentation.xml><?xml version="1.0" encoding="utf-8"?>
-<p:presentation xmlns:a="http://schemas.openxmlformats.org/drawingml/2006/main" xmlns:r="http://schemas.openxmlformats.org/officeDocument/2006/relationships" xmlns:p="http://schemas.openxmlformats.org/presentationml/2006/main">
+<p:presentation xmlns:r="http://schemas.openxmlformats.org/officeDocument/2006/relationships" xmlns:c="http://schemas.openxmlformats.org/drawingml/2006/chart" xmlns:a="http://schemas.openxmlformats.org/drawingml/2006/main" xmlns:dgm="http://schemas.openxmlformats.org/drawingml/2006/diagram" xmlns:dsp="http://schemas.microsoft.com/office/drawing/2008/diagram" xmlns:p="http://schemas.openxmlformats.org/presentationml/2006/main">
   <p:sldMasterIdLst>
-    <p:sldMasterId id="2147483669" r:id="rId1"/>
+    <p:sldMasterId id="2147483662" r:id="rId1"/>
   </p:sldMasterIdLst>
   <p:sldIdLst>
     <p:sldId id="256" r:id="rId2"/>
@@ -116,22 +116,6 @@
       </a:defRPr>
     </a:lvl9pPr>
   </p:defaultTextStyle>
-  <p:extLst>
-    <p:ext uri="{EFAFB233-063F-42B5-8137-9DF3F51BA10A}">
-      <p15:sldGuideLst xmlns:p15="http://schemas.microsoft.com/office/powerpoint/2012/main">
-        <p15:guide id="1" orient="horz" pos="3239">
-          <p15:clr>
-            <a:srgbClr val="A4A3A4"/>
-          </p15:clr>
-        </p15:guide>
-        <p15:guide id="2" pos="5759">
-          <p15:clr>
-            <a:srgbClr val="A4A3A4"/>
-          </p15:clr>
-        </p15:guide>
-      </p15:sldGuideLst>
-    </p:ext>
-  </p:extLst>
 </p:presentation>
 </file>
 
@@ -10818,14 +10802,13 @@
 </file>
 
 <file path=ppt/slides/slide8.xml><?xml version="1.0" encoding="utf-8"?>
-<p:sld xmlns:a="http://schemas.openxmlformats.org/drawingml/2006/main" xmlns:r="http://schemas.openxmlformats.org/officeDocument/2006/relationships" xmlns:p="http://schemas.openxmlformats.org/presentationml/2006/main">
+<p:sld xmlns:r="http://schemas.openxmlformats.org/officeDocument/2006/relationships" xmlns:c="http://schemas.openxmlformats.org/drawingml/2006/chart" xmlns:a="http://schemas.openxmlformats.org/drawingml/2006/main" xmlns:dgm="http://schemas.openxmlformats.org/drawingml/2006/diagram" xmlns:dsp="http://schemas.microsoft.com/office/drawing/2008/diagram" xmlns:p="http://schemas.openxmlformats.org/presentationml/2006/main">
   <p:cSld>
     <p:bg>
-      <p:bgPr>
+      <p:bgPr shadeToTitle="0">
         <a:solidFill>
-          <a:srgbClr val="FFFFFF"/>
+          <a:srgbClr val="ffffff"/>
         </a:solidFill>
-        <a:effectLst/>
       </p:bgPr>
     </p:bg>
     <p:spTree>
@@ -10882,7 +10865,7 @@
         </p:blipFill>
         <p:spPr>
           <a:xfrm>
-            <a:off x="1028700" y="2362200"/>
+            <a:off x="990600" y="2339439"/>
             <a:ext cx="16306800" cy="7340600"/>
           </a:xfrm>
           <a:prstGeom prst="rect">
@@ -10963,7 +10946,7 @@
               </a:lnSpc>
               <a:defRPr/>
             </a:pPr>
-            <a:endParaRPr lang="en-US" sz="2200" b="0" i="0" u="none" strike="noStrike" spc="-100" dirty="0">
+            <a:endParaRPr lang="en-US" sz="2200" b="0" i="0" u="none" strike="noStrike" spc="-100">
               <a:solidFill>
                 <a:srgbClr val="000000"/>
               </a:solidFill>
@@ -10998,7 +10981,7 @@
               <a:defRPr/>
             </a:pPr>
             <a:r>
-              <a:rPr lang="ko-KR" altLang="en-US" sz="5000" b="0" i="0" u="none" strike="noStrike" spc="-200" dirty="0">
+              <a:rPr lang="ko-KR" altLang="en-US" sz="5000" b="0" i="0" u="none" strike="noStrike" spc="-200">
                 <a:solidFill>
                   <a:srgbClr val="000000"/>
                 </a:solidFill>
@@ -11006,7 +10989,7 @@
               </a:rPr>
               <a:t>코드 설명</a:t>
             </a:r>
-            <a:endParaRPr lang="ko-KR" sz="5000" b="0" i="0" u="none" strike="noStrike" spc="-200" dirty="0">
+            <a:endParaRPr lang="ko-KR" sz="5000" b="0" i="0" u="none" strike="noStrike" spc="-200">
               <a:solidFill>
                 <a:srgbClr val="000000"/>
               </a:solidFill>
@@ -11015,16 +10998,240 @@
           </a:p>
         </p:txBody>
       </p:sp>
+      <p:sp>
+        <p:nvSpPr>
+          <p:cNvPr id="8" name=""/>
+          <p:cNvSpPr txBox="1"/>
+          <p:nvPr/>
+        </p:nvSpPr>
+        <p:spPr>
+          <a:xfrm>
+            <a:off x="2300379" y="2655036"/>
+            <a:ext cx="12136251" cy="1883592"/>
+          </a:xfrm>
+          <a:prstGeom prst="rect">
+            <a:avLst/>
+          </a:prstGeom>
+        </p:spPr>
+        <p:txBody>
+          <a:bodyPr wrap="none">
+            <a:spAutoFit/>
+          </a:bodyPr>
+          <a:p>
+            <a:pPr>
+              <a:defRPr/>
+            </a:pPr>
+            <a:r>
+              <a:rPr lang="ko-KR" altLang="en-US" sz="2100"/>
+              <a:t>hands = mp_hands.Hands(max_num_hands=1, min_detection_confidence=0.7, min_tracking_confidence=0.7)</a:t>
+            </a:r>
+            <a:endParaRPr lang="ko-KR" altLang="en-US" sz="2100"/>
+          </a:p>
+          <a:p>
+            <a:pPr>
+              <a:defRPr/>
+            </a:pPr>
+            <a:endParaRPr lang="ko-KR" altLang="en-US" sz="2100"/>
+          </a:p>
+          <a:p>
+            <a:pPr>
+              <a:defRPr/>
+            </a:pPr>
+            <a:r>
+              <a:rPr lang="ko-KR" altLang="en-US" sz="1900"/>
+              <a:t> =&gt; max_num_hands = 1  한번에 한손만 인식 가능</a:t>
+            </a:r>
+            <a:endParaRPr lang="ko-KR" altLang="en-US" sz="1900"/>
+          </a:p>
+          <a:p>
+            <a:pPr>
+              <a:defRPr/>
+            </a:pPr>
+            <a:r>
+              <a:rPr lang="ko-KR" altLang="en-US" sz="1900"/>
+              <a:t>      두손의 경우 한 손에 비해 정확도가 떨어져 한 손만 인식 시킴</a:t>
+            </a:r>
+            <a:endParaRPr lang="ko-KR" altLang="en-US" sz="1900"/>
+          </a:p>
+          <a:p>
+            <a:pPr>
+              <a:defRPr/>
+            </a:pPr>
+            <a:r>
+              <a:rPr lang="ko-KR" altLang="en-US" sz="1900"/>
+              <a:t> =&gt; min_detection_confidence = 0.7,  손을 인식하는 최소 신뢰도</a:t>
+            </a:r>
+            <a:endParaRPr lang="ko-KR" altLang="en-US" sz="1900"/>
+          </a:p>
+          <a:p>
+            <a:pPr>
+              <a:defRPr/>
+            </a:pPr>
+            <a:r>
+              <a:rPr lang="ko-KR" altLang="en-US" sz="1900"/>
+              <a:t> =&gt; min_tracking_confidence=0.7, 추적 성공의 최소 신뢰도</a:t>
+            </a:r>
+            <a:endParaRPr lang="ko-KR" altLang="en-US" sz="1900"/>
+          </a:p>
+        </p:txBody>
+      </p:sp>
+      <p:sp>
+        <p:nvSpPr>
+          <p:cNvPr id="9" name=""/>
+          <p:cNvSpPr txBox="1"/>
+          <p:nvPr/>
+        </p:nvSpPr>
+        <p:spPr>
+          <a:xfrm>
+            <a:off x="2339190" y="5143500"/>
+            <a:ext cx="11795004" cy="4109940"/>
+          </a:xfrm>
+          <a:prstGeom prst="rect">
+            <a:avLst/>
+          </a:prstGeom>
+        </p:spPr>
+        <p:txBody>
+          <a:bodyPr wrap="square">
+            <a:spAutoFit/>
+          </a:bodyPr>
+          <a:p>
+            <a:pPr>
+              <a:defRPr/>
+            </a:pPr>
+            <a:r>
+              <a:rPr lang="ko-KR" altLang="en-US" sz="2100"/>
+              <a:t>frame__skip = 2</a:t>
+            </a:r>
+            <a:endParaRPr lang="ko-KR" altLang="en-US" sz="2100"/>
+          </a:p>
+          <a:p>
+            <a:pPr>
+              <a:defRPr/>
+            </a:pPr>
+            <a:r>
+              <a:rPr lang="ko-KR" altLang="en-US" sz="2100"/>
+              <a:t>if frame_count % frame_skip == 0:</a:t>
+            </a:r>
+            <a:endParaRPr lang="ko-KR" altLang="en-US" sz="2100"/>
+          </a:p>
+          <a:p>
+            <a:pPr>
+              <a:defRPr/>
+            </a:pPr>
+            <a:r>
+              <a:rPr lang="ko-KR" altLang="en-US" sz="2100"/>
+              <a:t>    yolo_results = yolo_model(frame, conf=0.5)</a:t>
+            </a:r>
+            <a:endParaRPr lang="ko-KR" altLang="en-US" sz="2100"/>
+          </a:p>
+          <a:p>
+            <a:pPr>
+              <a:defRPr/>
+            </a:pPr>
+            <a:r>
+              <a:rPr lang="ko-KR" altLang="en-US" sz="2100"/>
+              <a:t>    hand_boxes = []</a:t>
+            </a:r>
+            <a:endParaRPr lang="ko-KR" altLang="en-US" sz="2100"/>
+          </a:p>
+          <a:p>
+            <a:pPr>
+              <a:defRPr/>
+            </a:pPr>
+            <a:r>
+              <a:rPr lang="ko-KR" altLang="en-US" sz="2100"/>
+              <a:t>    for result in yolo_results:</a:t>
+            </a:r>
+            <a:endParaRPr lang="ko-KR" altLang="en-US" sz="2100"/>
+          </a:p>
+          <a:p>
+            <a:pPr>
+              <a:defRPr/>
+            </a:pPr>
+            <a:r>
+              <a:rPr lang="ko-KR" altLang="en-US" sz="2100"/>
+              <a:t>        for box in result.boxes:</a:t>
+            </a:r>
+            <a:endParaRPr lang="ko-KR" altLang="en-US" sz="2100"/>
+          </a:p>
+          <a:p>
+            <a:pPr>
+              <a:defRPr/>
+            </a:pPr>
+            <a:r>
+              <a:rPr lang="ko-KR" altLang="en-US" sz="2100"/>
+              <a:t>            if int(box.cls[0]) == 0:</a:t>
+            </a:r>
+            <a:endParaRPr lang="ko-KR" altLang="en-US" sz="2100"/>
+          </a:p>
+          <a:p>
+            <a:pPr>
+              <a:defRPr/>
+            </a:pPr>
+            <a:r>
+              <a:rPr lang="ko-KR" altLang="en-US" sz="2100"/>
+              <a:t>                coords = box.xyxy[0].tolist()</a:t>
+            </a:r>
+            <a:endParaRPr lang="ko-KR" altLang="en-US" sz="2100"/>
+          </a:p>
+          <a:p>
+            <a:pPr>
+              <a:defRPr/>
+            </a:pPr>
+            <a:r>
+              <a:rPr lang="ko-KR" altLang="en-US" sz="2100"/>
+              <a:t>                hand_boxes.append([int(c) for c in coords])</a:t>
+            </a:r>
+            <a:endParaRPr lang="ko-KR" altLang="en-US" sz="2100"/>
+          </a:p>
+          <a:p>
+            <a:pPr>
+              <a:defRPr/>
+            </a:pPr>
+            <a:r>
+              <a:rPr lang="ko-KR" altLang="en-US" sz="2100"/>
+              <a:t>frame_count += 1</a:t>
+            </a:r>
+            <a:endParaRPr lang="ko-KR" altLang="en-US" sz="2100"/>
+          </a:p>
+          <a:p>
+            <a:pPr>
+              <a:defRPr/>
+            </a:pPr>
+            <a:endParaRPr lang="ko-KR" altLang="en-US"/>
+          </a:p>
+          <a:p>
+            <a:pPr>
+              <a:defRPr/>
+            </a:pPr>
+            <a:r>
+              <a:rPr lang="ko-KR" altLang="en-US"/>
+              <a:t> =&gt; 더 늘릴경우 빠른속도의 반응이 이루어지지 않아 2프레임으로 설정</a:t>
+            </a:r>
+            <a:endParaRPr lang="ko-KR" altLang="en-US"/>
+          </a:p>
+          <a:p>
+            <a:pPr>
+              <a:defRPr/>
+            </a:pPr>
+            <a:r>
+              <a:rPr lang="ko-KR" altLang="en-US"/>
+              <a:t> =&gt; frame_skip을 이용해 일정 간격의 프레임으로 끊어지도록 만듬</a:t>
+            </a:r>
+            <a:endParaRPr lang="ko-KR" altLang="en-US"/>
+          </a:p>
+        </p:txBody>
+      </p:sp>
     </p:spTree>
   </p:cSld>
   <p:clrMapOvr>
     <a:masterClrMapping/>
   </p:clrMapOvr>
-  <mc:AlternateContent xmlns:mc="http://schemas.openxmlformats.org/markup-compatibility/2006" xmlns:p14="http://schemas.microsoft.com/office/powerpoint/2010/main">
-    <mc:Choice Requires="p14">
-      <p:transition/>
+  <mc:AlternateContent xmlns:mc="http://schemas.openxmlformats.org/markup-compatibility/2006">
+    <mc:Choice xmlns:p14="http://schemas.microsoft.com/office/powerpoint/2010/main" Requires="p14">
+      <p:transition xmlns:mc="http://schemas.openxmlformats.org/markup-compatibility/2006" xmlns:p14="http://schemas.microsoft.com/office/powerpoint/2010/main" mc:Ignorable="p14" p14:dur="500"/>
     </mc:Choice>
-    <mc:Fallback xmlns:dsp="http://schemas.microsoft.com/office/drawing/2008/diagram" xmlns:dgm="http://schemas.openxmlformats.org/drawingml/2006/diagram" xmlns:c="http://schemas.openxmlformats.org/drawingml/2006/chart" xmlns="">
+    <mc:Fallback>
       <p:transition/>
     </mc:Fallback>
   </mc:AlternateContent>
@@ -11368,41 +11575,41 @@
 </file>
 
 <file path=ppt/theme/theme1.xml><?xml version="1.0" encoding="utf-8"?>
-<a:theme xmlns:a="http://schemas.openxmlformats.org/drawingml/2006/main" name="Office Theme">
+<a:theme xmlns:r="http://schemas.openxmlformats.org/officeDocument/2006/relationships" xmlns:c="http://schemas.openxmlformats.org/drawingml/2006/chart" xmlns:dgm="http://schemas.openxmlformats.org/drawingml/2006/diagram" xmlns:dsp="http://schemas.microsoft.com/office/drawing/2008/diagram" xmlns:a="http://schemas.openxmlformats.org/drawingml/2006/main" xmlns:pic="http://schemas.openxmlformats.org/drawingml/2006/picture" xmlns:wp="http://schemas.openxmlformats.org/drawingml/2006/wordprocessingDrawing" xmlns:xdr="http://schemas.openxmlformats.org/drawingml/2006/spreadsheetDrawing" xmlns:lc="http://schemas.openxmlformats.org/drawingml/2006/lockedCanvas" xmlns:p="http://schemas.openxmlformats.org/presentationml/2006/main" name="Office Theme">
   <a:themeElements>
     <a:clrScheme name="Office">
       <a:dk1>
         <a:sysClr val="windowText" lastClr="000000"/>
       </a:dk1>
       <a:lt1>
-        <a:sysClr val="window" lastClr="FFFFFF"/>
+        <a:sysClr val="window" lastClr="ffffff"/>
       </a:lt1>
       <a:dk2>
-        <a:srgbClr val="1F497D"/>
+        <a:srgbClr val="1f497d"/>
       </a:dk2>
       <a:lt2>
-        <a:srgbClr val="EEECE1"/>
+        <a:srgbClr val="eeece1"/>
       </a:lt2>
       <a:accent1>
-        <a:srgbClr val="4F81BD"/>
+        <a:srgbClr val="4f81bd"/>
       </a:accent1>
       <a:accent2>
-        <a:srgbClr val="C0504D"/>
+        <a:srgbClr val="c0504d"/>
       </a:accent2>
       <a:accent3>
-        <a:srgbClr val="9BBB59"/>
+        <a:srgbClr val="9bbb59"/>
       </a:accent3>
       <a:accent4>
-        <a:srgbClr val="8064A2"/>
+        <a:srgbClr val="8064a2"/>
       </a:accent4>
       <a:accent5>
-        <a:srgbClr val="4BACC6"/>
+        <a:srgbClr val="4bacc6"/>
       </a:accent5>
       <a:accent6>
-        <a:srgbClr val="F79646"/>
+        <a:srgbClr val="f79646"/>
       </a:accent6>
       <a:hlink>
-        <a:srgbClr val="0000FF"/>
+        <a:srgbClr val="0000ff"/>
       </a:hlink>
       <a:folHlink>
         <a:srgbClr val="800080"/>
@@ -11645,7 +11852,5 @@
       </a:bgFillStyleLst>
     </a:fmtScheme>
   </a:themeElements>
-  <a:objectDefaults/>
-  <a:extraClrSchemeLst/>
 </a:theme>
 </file>